--- a/cert-generator/certificate_template.pptx
+++ b/cert-generator/certificate_template.pptx
@@ -246,9 +246,9 @@
                 <a:solidFill>
                   <a:srgbClr val="560A03"/>
                 </a:solidFill>
-                <a:latin typeface="Adobe Arabic" panose="02040503050201020203" pitchFamily="18" charset="-78"/>
-                <a:ea typeface="Kozuka Mincho Pro L" panose="02020300000000000000" pitchFamily="18" charset="-128"/>
-                <a:cs typeface="Adobe Arabic" panose="02040503050201020203" pitchFamily="18" charset="-78"/>
+                <a:latin typeface="Calibri" panose="020F0502020204030204" pitchFamily="34" charset="0"/>
+                <a:ea typeface="Calibri" panose="020F0502020204030204" pitchFamily="34" charset="0"/>
+                <a:cs typeface="Calibri" panose="020F0502020204030204" pitchFamily="34" charset="0"/>
               </a:defRPr>
             </a:lvl1pPr>
           </a:lstStyle>
@@ -294,8 +294,9 @@
                 <a:solidFill>
                   <a:srgbClr val="560A03"/>
                 </a:solidFill>
-                <a:latin typeface="Adobe Arabic" panose="02040503050201020203" pitchFamily="18" charset="-78"/>
-                <a:cs typeface="Adobe Arabic" panose="02040503050201020203" pitchFamily="18" charset="-78"/>
+                <a:latin typeface="Calibri" panose="020F0502020204030204" pitchFamily="34" charset="0"/>
+                <a:ea typeface="Calibri" panose="020F0502020204030204" pitchFamily="34" charset="0"/>
+                <a:cs typeface="Calibri" panose="020F0502020204030204" pitchFamily="34" charset="0"/>
               </a:defRPr>
             </a:lvl1pPr>
           </a:lstStyle>
@@ -341,9 +342,9 @@
                 <a:solidFill>
                   <a:srgbClr val="560A03"/>
                 </a:solidFill>
-                <a:latin typeface="Adobe Arabic" panose="02040503050201020203" pitchFamily="18" charset="-78"/>
+                <a:latin typeface="Calibri" panose="020F0502020204030204" pitchFamily="34" charset="0"/>
                 <a:ea typeface="Calibri" panose="020F0502020204030204" pitchFamily="34" charset="0"/>
-                <a:cs typeface="Adobe Arabic" panose="02040503050201020203" pitchFamily="18" charset="-78"/>
+                <a:cs typeface="Calibri" panose="020F0502020204030204" pitchFamily="34" charset="0"/>
               </a:defRPr>
             </a:lvl1pPr>
           </a:lstStyle>
@@ -389,9 +390,9 @@
                 <a:solidFill>
                   <a:srgbClr val="560A03"/>
                 </a:solidFill>
-                <a:latin typeface="Adobe Arabic" panose="02040503050201020203" pitchFamily="18" charset="-78"/>
-                <a:ea typeface="Kozuka Mincho Pro L" panose="02020300000000000000" pitchFamily="18" charset="-128"/>
-                <a:cs typeface="Adobe Arabic" panose="02040503050201020203" pitchFamily="18" charset="-78"/>
+                <a:latin typeface="Calibri" panose="020F0502020204030204" pitchFamily="34" charset="0"/>
+                <a:ea typeface="Calibri" panose="020F0502020204030204" pitchFamily="34" charset="0"/>
+                <a:cs typeface="Calibri" panose="020F0502020204030204" pitchFamily="34" charset="0"/>
               </a:defRPr>
             </a:lvl1pPr>
           </a:lstStyle>
@@ -431,7 +432,7 @@
           <a:lstStyle>
             <a:lvl1pPr marL="0" indent="0" algn="ctr">
               <a:buNone/>
-              <a:defRPr sz="1800">
+              <a:defRPr sz="1200">
                 <a:solidFill>
                   <a:srgbClr val="560A03"/>
                 </a:solidFill>

--- a/cert-generator/certificate_template.pptx
+++ b/cert-generator/certificate_template.pptx
@@ -154,7 +154,7 @@
         </p:blipFill>
         <p:spPr>
           <a:xfrm>
-            <a:off x="0" y="195496"/>
+            <a:off x="0" y="178718"/>
             <a:ext cx="9144000" cy="6467008"/>
           </a:xfrm>
           <a:prstGeom prst="rect">
@@ -175,7 +175,7 @@
             <a:spLocks noGrp="1"/>
           </p:cNvSpPr>
           <p:nvPr>
-            <p:ph type="body" sz="quarter" idx="10"/>
+            <p:ph type="body" sz="quarter" idx="10" hasCustomPrompt="1"/>
           </p:nvPr>
         </p:nvSpPr>
         <p:spPr>
@@ -194,18 +194,30 @@
           <a:lstStyle>
             <a:lvl1pPr marL="0" indent="0" algn="ctr">
               <a:buNone/>
-              <a:defRPr sz="2000" b="0" spc="0" baseline="0">
+              <a:defRPr sz="1200" b="0" spc="0" baseline="0">
                 <a:solidFill>
                   <a:srgbClr val="560A03"/>
                 </a:solidFill>
-                <a:latin typeface="Calibri" panose="020F0502020204030204" pitchFamily="34" charset="0"/>
-                <a:ea typeface="Calibri" panose="020F0502020204030204" pitchFamily="34" charset="0"/>
+                <a:latin typeface="Roboto" panose="02000000000000000000" pitchFamily="2" charset="0"/>
+                <a:ea typeface="Roboto" panose="02000000000000000000" pitchFamily="2" charset="0"/>
                 <a:cs typeface="Calibri" panose="020F0502020204030204" pitchFamily="34" charset="0"/>
               </a:defRPr>
             </a:lvl1pPr>
           </a:lstStyle>
           <a:p>
             <a:pPr lvl="0"/>
+            <a:r>
+              <a:rPr lang="en-US" dirty="0" err="1"/>
+              <a:t>Lawkush</a:t>
+            </a:r>
+            <a:r>
+              <a:rPr lang="en-US" dirty="0"/>
+              <a:t> </a:t>
+            </a:r>
+            <a:r>
+              <a:rPr lang="en-US" dirty="0" err="1"/>
+              <a:t>kumar</a:t>
+            </a:r>
             <a:endParaRPr lang="en-US" dirty="0"/>
           </a:p>
         </p:txBody>
@@ -223,13 +235,13 @@
             <a:spLocks noGrp="1"/>
           </p:cNvSpPr>
           <p:nvPr>
-            <p:ph type="body" sz="quarter" idx="11"/>
+            <p:ph type="body" sz="quarter" idx="11" hasCustomPrompt="1"/>
           </p:nvPr>
         </p:nvSpPr>
         <p:spPr>
           <a:xfrm>
-            <a:off x="4185920" y="3451175"/>
-            <a:ext cx="2972434" cy="249363"/>
+            <a:off x="4185919" y="3451175"/>
+            <a:ext cx="4257041" cy="249363"/>
           </a:xfrm>
           <a:prstGeom prst="rect">
             <a:avLst/>
@@ -242,19 +254,22 @@
           <a:lstStyle>
             <a:lvl1pPr marL="0" indent="0" algn="ctr">
               <a:buNone/>
-              <a:defRPr sz="2000">
+              <a:defRPr sz="1200">
                 <a:solidFill>
                   <a:srgbClr val="560A03"/>
                 </a:solidFill>
-                <a:latin typeface="Calibri" panose="020F0502020204030204" pitchFamily="34" charset="0"/>
-                <a:ea typeface="Calibri" panose="020F0502020204030204" pitchFamily="34" charset="0"/>
+                <a:latin typeface="Roboto" panose="02000000000000000000" pitchFamily="2" charset="0"/>
+                <a:ea typeface="Roboto" panose="02000000000000000000" pitchFamily="2" charset="0"/>
                 <a:cs typeface="Calibri" panose="020F0502020204030204" pitchFamily="34" charset="0"/>
               </a:defRPr>
             </a:lvl1pPr>
           </a:lstStyle>
           <a:p>
             <a:pPr lvl="0"/>
-            <a:endParaRPr lang="en-US" dirty="0"/>
+            <a:r>
+              <a:rPr lang="en-US" dirty="0"/>
+              <a:t>ISKCON NVCC Temple</a:t>
+            </a:r>
           </a:p>
         </p:txBody>
       </p:sp>
@@ -271,7 +286,7 @@
             <a:spLocks noGrp="1"/>
           </p:cNvSpPr>
           <p:nvPr>
-            <p:ph type="body" sz="quarter" idx="14"/>
+            <p:ph type="body" sz="quarter" idx="14" hasCustomPrompt="1"/>
           </p:nvPr>
         </p:nvSpPr>
         <p:spPr>
@@ -290,19 +305,22 @@
           <a:lstStyle>
             <a:lvl1pPr marL="0" indent="0" algn="ctr">
               <a:buNone/>
-              <a:defRPr sz="2000">
+              <a:defRPr sz="1300">
                 <a:solidFill>
                   <a:srgbClr val="560A03"/>
                 </a:solidFill>
-                <a:latin typeface="Calibri" panose="020F0502020204030204" pitchFamily="34" charset="0"/>
+                <a:latin typeface="Arial" panose="020B0604020202020204" pitchFamily="34" charset="0"/>
                 <a:ea typeface="Calibri" panose="020F0502020204030204" pitchFamily="34" charset="0"/>
-                <a:cs typeface="Calibri" panose="020F0502020204030204" pitchFamily="34" charset="0"/>
+                <a:cs typeface="Arial" panose="020B0604020202020204" pitchFamily="34" charset="0"/>
               </a:defRPr>
             </a:lvl1pPr>
           </a:lstStyle>
           <a:p>
             <a:pPr lvl="0"/>
-            <a:endParaRPr lang="en-US" dirty="0"/>
+            <a:r>
+              <a:rPr lang="en-US" dirty="0"/>
+              <a:t>2025-2026</a:t>
+            </a:r>
           </a:p>
         </p:txBody>
       </p:sp>
@@ -319,13 +337,13 @@
             <a:spLocks noGrp="1"/>
           </p:cNvSpPr>
           <p:nvPr>
-            <p:ph type="body" sz="quarter" idx="15"/>
+            <p:ph type="body" sz="quarter" idx="15" hasCustomPrompt="1"/>
           </p:nvPr>
         </p:nvSpPr>
         <p:spPr>
           <a:xfrm>
-            <a:off x="4508498" y="3774848"/>
-            <a:ext cx="543561" cy="169863"/>
+            <a:off x="4508498" y="3854350"/>
+            <a:ext cx="543561" cy="169862"/>
           </a:xfrm>
           <a:prstGeom prst="rect">
             <a:avLst/>
@@ -338,19 +356,22 @@
           <a:lstStyle>
             <a:lvl1pPr marL="0" indent="0" algn="ctr">
               <a:buNone/>
-              <a:defRPr sz="1800">
+              <a:defRPr sz="1300">
                 <a:solidFill>
                   <a:srgbClr val="560A03"/>
                 </a:solidFill>
-                <a:latin typeface="Calibri" panose="020F0502020204030204" pitchFamily="34" charset="0"/>
-                <a:ea typeface="Calibri" panose="020F0502020204030204" pitchFamily="34" charset="0"/>
+                <a:latin typeface="Roboto" panose="02000000000000000000" pitchFamily="2" charset="0"/>
+                <a:ea typeface="Roboto" panose="02000000000000000000" pitchFamily="2" charset="0"/>
                 <a:cs typeface="Calibri" panose="020F0502020204030204" pitchFamily="34" charset="0"/>
               </a:defRPr>
             </a:lvl1pPr>
           </a:lstStyle>
           <a:p>
             <a:pPr lvl="0"/>
-            <a:endParaRPr lang="en-US" dirty="0"/>
+            <a:r>
+              <a:rPr lang="en-US" dirty="0"/>
+              <a:t>9</a:t>
+            </a:r>
           </a:p>
         </p:txBody>
       </p:sp>
@@ -367,7 +388,7 @@
             <a:spLocks noGrp="1"/>
           </p:cNvSpPr>
           <p:nvPr>
-            <p:ph type="body" sz="quarter" idx="16"/>
+            <p:ph type="body" sz="quarter" idx="16" hasCustomPrompt="1"/>
           </p:nvPr>
         </p:nvSpPr>
         <p:spPr>
@@ -386,19 +407,22 @@
           <a:lstStyle>
             <a:lvl1pPr marL="0" indent="0" algn="ctr">
               <a:buNone/>
-              <a:defRPr sz="2000">
+              <a:defRPr sz="1300">
                 <a:solidFill>
                   <a:srgbClr val="560A03"/>
                 </a:solidFill>
-                <a:latin typeface="Calibri" panose="020F0502020204030204" pitchFamily="34" charset="0"/>
-                <a:ea typeface="Calibri" panose="020F0502020204030204" pitchFamily="34" charset="0"/>
+                <a:latin typeface="Roboto" panose="02000000000000000000" pitchFamily="2" charset="0"/>
+                <a:ea typeface="Roboto" panose="02000000000000000000" pitchFamily="2" charset="0"/>
                 <a:cs typeface="Calibri" panose="020F0502020204030204" pitchFamily="34" charset="0"/>
               </a:defRPr>
             </a:lvl1pPr>
           </a:lstStyle>
           <a:p>
             <a:pPr lvl="0"/>
-            <a:endParaRPr lang="en-US" dirty="0"/>
+            <a:r>
+              <a:rPr lang="en-US" dirty="0"/>
+              <a:t>Secured A+</a:t>
+            </a:r>
           </a:p>
         </p:txBody>
       </p:sp>
@@ -415,7 +439,7 @@
             <a:spLocks noGrp="1"/>
           </p:cNvSpPr>
           <p:nvPr>
-            <p:ph type="body" sz="quarter" idx="17"/>
+            <p:ph type="body" sz="quarter" idx="17" hasCustomPrompt="1"/>
           </p:nvPr>
         </p:nvSpPr>
         <p:spPr>
@@ -436,9 +460,96 @@
                 <a:solidFill>
                   <a:srgbClr val="560A03"/>
                 </a:solidFill>
-                <a:latin typeface="Calibri" panose="020F0502020204030204" pitchFamily="34" charset="0"/>
-                <a:ea typeface="Calibri" panose="020F0502020204030204" pitchFamily="34" charset="0"/>
+                <a:latin typeface="Roboto" panose="02000000000000000000" pitchFamily="2" charset="0"/>
+                <a:ea typeface="Roboto" panose="02000000000000000000" pitchFamily="2" charset="0"/>
                 <a:cs typeface="Calibri" panose="020F0502020204030204" pitchFamily="34" charset="0"/>
+              </a:defRPr>
+            </a:lvl1pPr>
+          </a:lstStyle>
+          <a:p>
+            <a:pPr lvl="0"/>
+            <a:r>
+              <a:rPr lang="en-US" dirty="0"/>
+              <a:t>VE89AS5695</a:t>
+            </a:r>
+          </a:p>
+        </p:txBody>
+      </p:sp>
+      <p:sp>
+        <p:nvSpPr>
+          <p:cNvPr id="2" name="TextBox 1">
+            <a:extLst>
+              <a:ext uri="{FF2B5EF4-FFF2-40B4-BE49-F238E27FC236}">
+                <a16:creationId xmlns:a16="http://schemas.microsoft.com/office/drawing/2014/main" id="{0728FE3A-E553-CEBE-3297-C0F7BCAFC3F7}"/>
+              </a:ext>
+            </a:extLst>
+          </p:cNvPr>
+          <p:cNvSpPr txBox="1"/>
+          <p:nvPr userDrawn="1"/>
+        </p:nvSpPr>
+        <p:spPr>
+          <a:xfrm>
+            <a:off x="3768436" y="4462385"/>
+            <a:ext cx="1283623" cy="276999"/>
+          </a:xfrm>
+          <a:prstGeom prst="rect">
+            <a:avLst/>
+          </a:prstGeom>
+          <a:noFill/>
+        </p:spPr>
+        <p:txBody>
+          <a:bodyPr wrap="square" rtlCol="0">
+            <a:spAutoFit/>
+          </a:bodyPr>
+          <a:lstStyle/>
+          <a:p>
+            <a:r>
+              <a:rPr lang="en-US" sz="1200" dirty="0">
+                <a:solidFill>
+                  <a:srgbClr val="560A03"/>
+                </a:solidFill>
+                <a:latin typeface="Times New Roman" panose="02020603050405020304" pitchFamily="18" charset="0"/>
+                <a:cs typeface="Times New Roman" panose="02020603050405020304" pitchFamily="18" charset="0"/>
+              </a:rPr>
+              <a:t>District / Region:</a:t>
+            </a:r>
+          </a:p>
+        </p:txBody>
+      </p:sp>
+      <p:sp>
+        <p:nvSpPr>
+          <p:cNvPr id="9" name="Text Placeholder 8">
+            <a:extLst>
+              <a:ext uri="{FF2B5EF4-FFF2-40B4-BE49-F238E27FC236}">
+                <a16:creationId xmlns:a16="http://schemas.microsoft.com/office/drawing/2014/main" id="{31F70616-5B61-E3FA-A442-BB4FDEEF6ACE}"/>
+              </a:ext>
+            </a:extLst>
+          </p:cNvPr>
+          <p:cNvSpPr>
+            <a:spLocks noGrp="1"/>
+          </p:cNvSpPr>
+          <p:nvPr>
+            <p:ph type="body" sz="quarter" idx="18"/>
+          </p:nvPr>
+        </p:nvSpPr>
+        <p:spPr>
+          <a:xfrm>
+            <a:off x="5051425" y="4522788"/>
+            <a:ext cx="1284288" cy="169862"/>
+          </a:xfrm>
+          <a:prstGeom prst="rect">
+            <a:avLst/>
+          </a:prstGeom>
+        </p:spPr>
+        <p:txBody>
+          <a:bodyPr/>
+          <a:lstStyle>
+            <a:lvl1pPr marL="0" indent="0">
+              <a:buNone/>
+              <a:defRPr sz="1200">
+                <a:latin typeface="Roboto" panose="02000000000000000000" pitchFamily="2" charset="0"/>
+                <a:ea typeface="Roboto" panose="02000000000000000000" pitchFamily="2" charset="0"/>
+                <a:cs typeface="Roboto" panose="02000000000000000000" pitchFamily="2" charset="0"/>
               </a:defRPr>
             </a:lvl1pPr>
           </a:lstStyle>

--- a/cert-generator/certificate_template.pptx
+++ b/cert-generator/certificate_template.pptx
@@ -175,7 +175,7 @@
             <a:spLocks noGrp="1"/>
           </p:cNvSpPr>
           <p:nvPr>
-            <p:ph type="body" sz="quarter" idx="10" hasCustomPrompt="1"/>
+            <p:ph type="body" sz="quarter" idx="10"/>
           </p:nvPr>
         </p:nvSpPr>
         <p:spPr>
@@ -194,7 +194,7 @@
           <a:lstStyle>
             <a:lvl1pPr marL="0" indent="0" algn="ctr">
               <a:buNone/>
-              <a:defRPr sz="1200" b="0" spc="0" baseline="0">
+              <a:defRPr sz="1400" b="1" spc="0" baseline="0">
                 <a:solidFill>
                   <a:srgbClr val="560A03"/>
                 </a:solidFill>
@@ -206,18 +206,6 @@
           </a:lstStyle>
           <a:p>
             <a:pPr lvl="0"/>
-            <a:r>
-              <a:rPr lang="en-US" dirty="0" err="1"/>
-              <a:t>Lawkush</a:t>
-            </a:r>
-            <a:r>
-              <a:rPr lang="en-US" dirty="0"/>
-              <a:t> </a:t>
-            </a:r>
-            <a:r>
-              <a:rPr lang="en-US" dirty="0" err="1"/>
-              <a:t>kumar</a:t>
-            </a:r>
             <a:endParaRPr lang="en-US" dirty="0"/>
           </a:p>
         </p:txBody>
@@ -235,7 +223,7 @@
             <a:spLocks noGrp="1"/>
           </p:cNvSpPr>
           <p:nvPr>
-            <p:ph type="body" sz="quarter" idx="11" hasCustomPrompt="1"/>
+            <p:ph type="body" sz="quarter" idx="11"/>
           </p:nvPr>
         </p:nvSpPr>
         <p:spPr>
@@ -254,7 +242,7 @@
           <a:lstStyle>
             <a:lvl1pPr marL="0" indent="0" algn="ctr">
               <a:buNone/>
-              <a:defRPr sz="1200">
+              <a:defRPr sz="1400" b="1">
                 <a:solidFill>
                   <a:srgbClr val="560A03"/>
                 </a:solidFill>
@@ -266,10 +254,7 @@
           </a:lstStyle>
           <a:p>
             <a:pPr lvl="0"/>
-            <a:r>
-              <a:rPr lang="en-US" dirty="0"/>
-              <a:t>ISKCON NVCC Temple</a:t>
-            </a:r>
+            <a:endParaRPr lang="en-US" dirty="0"/>
           </a:p>
         </p:txBody>
       </p:sp>
@@ -305,13 +290,13 @@
           <a:lstStyle>
             <a:lvl1pPr marL="0" indent="0" algn="ctr">
               <a:buNone/>
-              <a:defRPr sz="1300">
+              <a:defRPr sz="1400" b="1">
                 <a:solidFill>
                   <a:srgbClr val="560A03"/>
                 </a:solidFill>
-                <a:latin typeface="Arial" panose="020B0604020202020204" pitchFamily="34" charset="0"/>
-                <a:ea typeface="Calibri" panose="020F0502020204030204" pitchFamily="34" charset="0"/>
-                <a:cs typeface="Arial" panose="020B0604020202020204" pitchFamily="34" charset="0"/>
+                <a:latin typeface="Roboto" panose="02000000000000000000" pitchFamily="2" charset="0"/>
+                <a:ea typeface="Roboto" panose="02000000000000000000" pitchFamily="2" charset="0"/>
+                <a:cs typeface="Roboto" panose="02000000000000000000" pitchFamily="2" charset="0"/>
               </a:defRPr>
             </a:lvl1pPr>
           </a:lstStyle>
@@ -319,7 +304,7 @@
             <a:pPr lvl="0"/>
             <a:r>
               <a:rPr lang="en-US" dirty="0"/>
-              <a:t>2025-2026</a:t>
+              <a:t>2025-26</a:t>
             </a:r>
           </a:p>
         </p:txBody>
@@ -337,12 +322,12 @@
             <a:spLocks noGrp="1"/>
           </p:cNvSpPr>
           <p:nvPr>
-            <p:ph type="body" sz="quarter" idx="15" hasCustomPrompt="1"/>
+            <p:ph type="body" sz="quarter" idx="15"/>
           </p:nvPr>
         </p:nvSpPr>
         <p:spPr>
           <a:xfrm>
-            <a:off x="4508498" y="3854350"/>
+            <a:off x="4508498" y="3816388"/>
             <a:ext cx="543561" cy="169862"/>
           </a:xfrm>
           <a:prstGeom prst="rect">
@@ -356,7 +341,7 @@
           <a:lstStyle>
             <a:lvl1pPr marL="0" indent="0" algn="ctr">
               <a:buNone/>
-              <a:defRPr sz="1300">
+              <a:defRPr sz="1400" b="1">
                 <a:solidFill>
                   <a:srgbClr val="560A03"/>
                 </a:solidFill>
@@ -368,10 +353,7 @@
           </a:lstStyle>
           <a:p>
             <a:pPr lvl="0"/>
-            <a:r>
-              <a:rPr lang="en-US" dirty="0"/>
-              <a:t>9</a:t>
-            </a:r>
+            <a:endParaRPr lang="en-US" dirty="0"/>
           </a:p>
         </p:txBody>
       </p:sp>
@@ -388,7 +370,7 @@
             <a:spLocks noGrp="1"/>
           </p:cNvSpPr>
           <p:nvPr>
-            <p:ph type="body" sz="quarter" idx="16" hasCustomPrompt="1"/>
+            <p:ph type="body" sz="quarter" idx="16"/>
           </p:nvPr>
         </p:nvSpPr>
         <p:spPr>
@@ -407,7 +389,7 @@
           <a:lstStyle>
             <a:lvl1pPr marL="0" indent="0" algn="ctr">
               <a:buNone/>
-              <a:defRPr sz="1300">
+              <a:defRPr sz="1400" b="1">
                 <a:solidFill>
                   <a:srgbClr val="560A03"/>
                 </a:solidFill>
@@ -419,10 +401,7 @@
           </a:lstStyle>
           <a:p>
             <a:pPr lvl="0"/>
-            <a:r>
-              <a:rPr lang="en-US" dirty="0"/>
-              <a:t>Secured A+</a:t>
-            </a:r>
+            <a:endParaRPr lang="en-US" dirty="0"/>
           </a:p>
         </p:txBody>
       </p:sp>
@@ -534,7 +513,7 @@
         </p:nvSpPr>
         <p:spPr>
           <a:xfrm>
-            <a:off x="5051425" y="4522788"/>
+            <a:off x="4882356" y="4483847"/>
             <a:ext cx="1284288" cy="169862"/>
           </a:xfrm>
           <a:prstGeom prst="rect">
@@ -546,7 +525,10 @@
           <a:lstStyle>
             <a:lvl1pPr marL="0" indent="0">
               <a:buNone/>
-              <a:defRPr sz="1200">
+              <a:defRPr sz="1400" b="1">
+                <a:solidFill>
+                  <a:srgbClr val="560A03"/>
+                </a:solidFill>
                 <a:latin typeface="Roboto" panose="02000000000000000000" pitchFamily="2" charset="0"/>
                 <a:ea typeface="Roboto" panose="02000000000000000000" pitchFamily="2" charset="0"/>
                 <a:cs typeface="Roboto" panose="02000000000000000000" pitchFamily="2" charset="0"/>

--- a/cert-generator/certificate_template.pptx
+++ b/cert-generator/certificate_template.pptx
@@ -194,9 +194,9 @@
           <a:lstStyle>
             <a:lvl1pPr marL="0" indent="0" algn="ctr">
               <a:buNone/>
-              <a:defRPr sz="1400" b="1" spc="0" baseline="0">
+              <a:defRPr sz="1200" b="0" spc="0" baseline="0">
                 <a:solidFill>
-                  <a:srgbClr val="560A03"/>
+                  <a:schemeClr val="tx1"/>
                 </a:solidFill>
                 <a:latin typeface="Roboto" panose="02000000000000000000" pitchFamily="2" charset="0"/>
                 <a:ea typeface="Roboto" panose="02000000000000000000" pitchFamily="2" charset="0"/>
@@ -228,7 +228,7 @@
         </p:nvSpPr>
         <p:spPr>
           <a:xfrm>
-            <a:off x="4185919" y="3451175"/>
+            <a:off x="4185919" y="3458795"/>
             <a:ext cx="4257041" cy="249363"/>
           </a:xfrm>
           <a:prstGeom prst="rect">
@@ -242,9 +242,9 @@
           <a:lstStyle>
             <a:lvl1pPr marL="0" indent="0" algn="ctr">
               <a:buNone/>
-              <a:defRPr sz="1400" b="1">
+              <a:defRPr sz="1200" b="0">
                 <a:solidFill>
-                  <a:srgbClr val="560A03"/>
+                  <a:schemeClr val="tx1"/>
                 </a:solidFill>
                 <a:latin typeface="Roboto" panose="02000000000000000000" pitchFamily="2" charset="0"/>
                 <a:ea typeface="Roboto" panose="02000000000000000000" pitchFamily="2" charset="0"/>
@@ -271,12 +271,12 @@
             <a:spLocks noGrp="1"/>
           </p:cNvSpPr>
           <p:nvPr>
-            <p:ph type="body" sz="quarter" idx="14" hasCustomPrompt="1"/>
+            <p:ph type="body" sz="quarter" idx="14"/>
           </p:nvPr>
         </p:nvSpPr>
         <p:spPr>
           <a:xfrm>
-            <a:off x="7335521" y="4102100"/>
+            <a:off x="7335521" y="4129808"/>
             <a:ext cx="1107440" cy="228600"/>
           </a:xfrm>
           <a:prstGeom prst="rect">
@@ -290,9 +290,9 @@
           <a:lstStyle>
             <a:lvl1pPr marL="0" indent="0" algn="ctr">
               <a:buNone/>
-              <a:defRPr sz="1400" b="1">
+              <a:defRPr sz="1200" b="0">
                 <a:solidFill>
-                  <a:srgbClr val="560A03"/>
+                  <a:schemeClr val="tx1"/>
                 </a:solidFill>
                 <a:latin typeface="Roboto" panose="02000000000000000000" pitchFamily="2" charset="0"/>
                 <a:ea typeface="Roboto" panose="02000000000000000000" pitchFamily="2" charset="0"/>
@@ -302,10 +302,7 @@
           </a:lstStyle>
           <a:p>
             <a:pPr lvl="0"/>
-            <a:r>
-              <a:rPr lang="en-US" dirty="0"/>
-              <a:t>2025-26</a:t>
-            </a:r>
+            <a:endParaRPr lang="en-US" dirty="0"/>
           </a:p>
         </p:txBody>
       </p:sp>
@@ -341,9 +338,9 @@
           <a:lstStyle>
             <a:lvl1pPr marL="0" indent="0" algn="ctr">
               <a:buNone/>
-              <a:defRPr sz="1400" b="1">
+              <a:defRPr sz="1200" b="0">
                 <a:solidFill>
-                  <a:srgbClr val="560A03"/>
+                  <a:schemeClr val="tx1"/>
                 </a:solidFill>
                 <a:latin typeface="Roboto" panose="02000000000000000000" pitchFamily="2" charset="0"/>
                 <a:ea typeface="Roboto" panose="02000000000000000000" pitchFamily="2" charset="0"/>
@@ -375,7 +372,7 @@
         </p:nvSpPr>
         <p:spPr>
           <a:xfrm>
-            <a:off x="5524500" y="3774848"/>
+            <a:off x="5524500" y="3797708"/>
             <a:ext cx="2817494" cy="169862"/>
           </a:xfrm>
           <a:prstGeom prst="rect">
@@ -389,9 +386,9 @@
           <a:lstStyle>
             <a:lvl1pPr marL="0" indent="0" algn="ctr">
               <a:buNone/>
-              <a:defRPr sz="1400" b="1">
+              <a:defRPr sz="1400" b="0">
                 <a:solidFill>
-                  <a:srgbClr val="560A03"/>
+                  <a:schemeClr val="tx1"/>
                 </a:solidFill>
                 <a:latin typeface="Roboto" panose="02000000000000000000" pitchFamily="2" charset="0"/>
                 <a:ea typeface="Roboto" panose="02000000000000000000" pitchFamily="2" charset="0"/>
@@ -514,7 +511,7 @@
         <p:spPr>
           <a:xfrm>
             <a:off x="4882356" y="4483847"/>
-            <a:ext cx="1284288" cy="169862"/>
+            <a:ext cx="1962944" cy="169862"/>
           </a:xfrm>
           <a:prstGeom prst="rect">
             <a:avLst/>
@@ -525,9 +522,9 @@
           <a:lstStyle>
             <a:lvl1pPr marL="0" indent="0">
               <a:buNone/>
-              <a:defRPr sz="1400" b="1">
+              <a:defRPr sz="1200" b="0">
                 <a:solidFill>
-                  <a:srgbClr val="560A03"/>
+                  <a:schemeClr val="tx1"/>
                 </a:solidFill>
                 <a:latin typeface="Roboto" panose="02000000000000000000" pitchFamily="2" charset="0"/>
                 <a:ea typeface="Roboto" panose="02000000000000000000" pitchFamily="2" charset="0"/>
